--- a/resources/Presentation-Slides/Chapter-0-Preface/01.Chapter-Overview.pptx
+++ b/resources/Presentation-Slides/Chapter-0-Preface/01.Chapter-Overview.pptx
@@ -5598,7 +5598,7 @@
         <p:spPr/>
         <p:txBody>
           <a:bodyPr>
-            <a:normAutofit lnSpcReduction="10000"/>
+            <a:normAutofit fontScale="92500" lnSpcReduction="10000"/>
           </a:bodyPr>
           <a:lstStyle/>
           <a:p>
@@ -5634,7 +5634,7 @@
           <a:p>
             <a:pPr>
               <a:spcBef>
-                <a:spcPts val="1800"/>
+                <a:spcPts val="1200"/>
               </a:spcBef>
             </a:pPr>
             <a:r>
@@ -5672,7 +5672,7 @@
           <a:p>
             <a:pPr>
               <a:spcBef>
-                <a:spcPts val="1800"/>
+                <a:spcPts val="1200"/>
               </a:spcBef>
             </a:pPr>
             <a:r>
@@ -5706,6 +5706,31 @@
               <a:t>https://judge.softuni.bg</a:t>
             </a:r>
             <a:endParaRPr lang="en-US" dirty="0"/>
+          </a:p>
+          <a:p>
+            <a:pPr marL="414392" indent="-341313">
+              <a:spcBef>
+                <a:spcPts val="1200"/>
+              </a:spcBef>
+            </a:pPr>
+            <a:r>
+              <a:rPr lang="en-US" dirty="0"/>
+              <a:t>Presentation </a:t>
+            </a:r>
+            <a:r>
+              <a:rPr lang="en-US" b="1" dirty="0">
+                <a:solidFill>
+                  <a:schemeClr val="tx2">
+                    <a:lumMod val="75000"/>
+                  </a:schemeClr>
+                </a:solidFill>
+              </a:rPr>
+              <a:t>slides</a:t>
+            </a:r>
+            <a:r>
+              <a:rPr lang="en-US" dirty="0"/>
+              <a:t> (for teachers)</a:t>
+            </a:r>
           </a:p>
         </p:txBody>
       </p:sp>
@@ -5856,7 +5881,7 @@
         </p:blipFill>
         <p:spPr bwMode="auto">
           <a:xfrm>
-            <a:off x="6852100" y="2792501"/>
+            <a:off x="6852100" y="2466392"/>
             <a:ext cx="1494167" cy="2091834"/>
           </a:xfrm>
           <a:prstGeom prst="rect">
@@ -5902,7 +5927,7 @@
         </p:blipFill>
         <p:spPr>
           <a:xfrm>
-            <a:off x="8913812" y="4495800"/>
+            <a:off x="8934052" y="4229876"/>
             <a:ext cx="2513878" cy="1883173"/>
           </a:xfrm>
           <a:prstGeom prst="rect">
@@ -5914,6 +5939,42 @@
           <a:effectLst>
             <a:softEdge rad="112500"/>
           </a:effectLst>
+        </p:spPr>
+      </p:pic>
+      <p:pic>
+        <p:nvPicPr>
+          <p:cNvPr id="10" name="Picture 9">
+            <a:extLst>
+              <a:ext uri="{FF2B5EF4-FFF2-40B4-BE49-F238E27FC236}">
+                <a16:creationId xmlns:a16="http://schemas.microsoft.com/office/drawing/2014/main" id="{84B1674C-D24D-4219-821C-5EA6B36BFB10}"/>
+              </a:ext>
+            </a:extLst>
+          </p:cNvPr>
+          <p:cNvPicPr>
+            <a:picLocks noChangeAspect="1"/>
+          </p:cNvPicPr>
+          <p:nvPr/>
+        </p:nvPicPr>
+        <p:blipFill>
+          <a:blip r:embed="rId8">
+            <a:extLst>
+              <a:ext uri="{28A0092B-C50C-407E-A947-70E740481C1C}">
+                <a14:useLocalDpi xmlns:a14="http://schemas.microsoft.com/office/drawing/2010/main"/>
+              </a:ext>
+            </a:extLst>
+          </a:blip>
+          <a:stretch>
+            <a:fillRect/>
+          </a:stretch>
+        </p:blipFill>
+        <p:spPr>
+          <a:xfrm>
+            <a:off x="7336283" y="5432049"/>
+            <a:ext cx="1196529" cy="1178161"/>
+          </a:xfrm>
+          <a:prstGeom prst="rect">
+            <a:avLst/>
+          </a:prstGeom>
         </p:spPr>
       </p:pic>
     </p:spTree>
@@ -6192,6 +6253,82 @@
                                         </p:cTn>
                                         <p:tgtEl>
                                           <p:spTgt spid="9"/>
+                                        </p:tgtEl>
+                                        <p:attrNameLst>
+                                          <p:attrName>style.visibility</p:attrName>
+                                        </p:attrNameLst>
+                                      </p:cBhvr>
+                                      <p:to>
+                                        <p:strVal val="visible"/>
+                                      </p:to>
+                                    </p:set>
+                                  </p:childTnLst>
+                                </p:cTn>
+                              </p:par>
+                            </p:childTnLst>
+                          </p:cTn>
+                        </p:par>
+                      </p:childTnLst>
+                    </p:cTn>
+                  </p:par>
+                  <p:par>
+                    <p:cTn id="23" fill="hold">
+                      <p:stCondLst>
+                        <p:cond delay="indefinite"/>
+                      </p:stCondLst>
+                      <p:childTnLst>
+                        <p:par>
+                          <p:cTn id="24" fill="hold">
+                            <p:stCondLst>
+                              <p:cond delay="0"/>
+                            </p:stCondLst>
+                            <p:childTnLst>
+                              <p:par>
+                                <p:cTn id="25" presetID="1" presetClass="entr" presetSubtype="0" fill="hold" nodeType="clickEffect">
+                                  <p:stCondLst>
+                                    <p:cond delay="0"/>
+                                  </p:stCondLst>
+                                  <p:childTnLst>
+                                    <p:set>
+                                      <p:cBhvr>
+                                        <p:cTn id="26" dur="1" fill="hold">
+                                          <p:stCondLst>
+                                            <p:cond delay="0"/>
+                                          </p:stCondLst>
+                                        </p:cTn>
+                                        <p:tgtEl>
+                                          <p:spTgt spid="3">
+                                            <p:txEl>
+                                              <p:pRg st="8" end="8"/>
+                                            </p:txEl>
+                                          </p:spTgt>
+                                        </p:tgtEl>
+                                        <p:attrNameLst>
+                                          <p:attrName>style.visibility</p:attrName>
+                                        </p:attrNameLst>
+                                      </p:cBhvr>
+                                      <p:to>
+                                        <p:strVal val="visible"/>
+                                      </p:to>
+                                    </p:set>
+                                  </p:childTnLst>
+                                </p:cTn>
+                              </p:par>
+                              <p:par>
+                                <p:cTn id="27" presetID="1" presetClass="entr" presetSubtype="0" fill="hold" nodeType="withEffect">
+                                  <p:stCondLst>
+                                    <p:cond delay="0"/>
+                                  </p:stCondLst>
+                                  <p:childTnLst>
+                                    <p:set>
+                                      <p:cBhvr>
+                                        <p:cTn id="28" dur="1" fill="hold">
+                                          <p:stCondLst>
+                                            <p:cond delay="0"/>
+                                          </p:stCondLst>
+                                        </p:cTn>
+                                        <p:tgtEl>
+                                          <p:spTgt spid="10"/>
                                         </p:tgtEl>
                                         <p:attrNameLst>
                                           <p:attrName>style.visibility</p:attrName>

--- a/resources/Presentation-Slides/Chapter-0-Preface/01.Chapter-Overview.pptx
+++ b/resources/Presentation-Slides/Chapter-0-Preface/01.Chapter-Overview.pptx
@@ -232,7 +232,7 @@
             <a:fld id="{FE5B4EDC-59C0-49C7-8ADA-5A781B329E02}" type="datetimeFigureOut">
               <a:rPr lang="en-US"/>
               <a:pPr/>
-              <a:t>10-Feb-19</a:t>
+              <a:t>11-Feb-19</a:t>
             </a:fld>
             <a:endParaRPr dirty="0"/>
           </a:p>
@@ -431,7 +431,7 @@
             <a:fld id="{F2D8D46A-B586-417D-BFBD-8C8FE0AAF762}" type="datetimeFigureOut">
               <a:rPr lang="en-US" smtClean="0"/>
               <a:pPr/>
-              <a:t>10-Feb-19</a:t>
+              <a:t>11-Feb-19</a:t>
             </a:fld>
             <a:endParaRPr lang="en-US"/>
           </a:p>
@@ -1580,7 +1580,7 @@
             <a:fld id="{055373AC-9AA7-423B-BA00-BA1C74164DBD}" type="datetime1">
               <a:rPr lang="en-US" smtClean="0"/>
               <a:pPr/>
-              <a:t>10-Feb-19</a:t>
+              <a:t>11-Feb-19</a:t>
             </a:fld>
             <a:endParaRPr lang="en-US" dirty="0"/>
           </a:p>
@@ -2111,7 +2111,7 @@
             <a:fld id="{055373AC-9AA7-423B-BA00-BA1C74164DBD}" type="datetime1">
               <a:rPr lang="en-US" smtClean="0"/>
               <a:pPr/>
-              <a:t>10-Feb-19</a:t>
+              <a:t>11-Feb-19</a:t>
             </a:fld>
             <a:endParaRPr lang="en-US" dirty="0"/>
           </a:p>
@@ -3506,6 +3506,104 @@
           </a:prstGeom>
         </p:spPr>
       </p:pic>
+      <p:grpSp>
+        <p:nvGrpSpPr>
+          <p:cNvPr id="2" name="Group 1">
+            <a:extLst>
+              <a:ext uri="{FF2B5EF4-FFF2-40B4-BE49-F238E27FC236}">
+                <a16:creationId xmlns:a16="http://schemas.microsoft.com/office/drawing/2014/main" id="{8BE1E03A-C203-4BF0-A4AC-D44FC12BCDD7}"/>
+              </a:ext>
+            </a:extLst>
+          </p:cNvPr>
+          <p:cNvGrpSpPr/>
+          <p:nvPr/>
+        </p:nvGrpSpPr>
+        <p:grpSpPr>
+          <a:xfrm>
+            <a:off x="1023780" y="1913102"/>
+            <a:ext cx="2327432" cy="1449029"/>
+            <a:chOff x="1065212" y="1943801"/>
+            <a:chExt cx="2327432" cy="1449029"/>
+          </a:xfrm>
+        </p:grpSpPr>
+        <p:pic>
+          <p:nvPicPr>
+            <p:cNvPr id="11" name="Picture 10">
+              <a:extLst>
+                <a:ext uri="{FF2B5EF4-FFF2-40B4-BE49-F238E27FC236}">
+                  <a16:creationId xmlns:a16="http://schemas.microsoft.com/office/drawing/2014/main" id="{83A41592-CFFD-49F4-8DAF-B19A99146B03}"/>
+                </a:ext>
+              </a:extLst>
+            </p:cNvPr>
+            <p:cNvPicPr>
+              <a:picLocks noChangeAspect="1"/>
+            </p:cNvPicPr>
+            <p:nvPr/>
+          </p:nvPicPr>
+          <p:blipFill>
+            <a:blip r:embed="rId6"/>
+            <a:stretch>
+              <a:fillRect/>
+            </a:stretch>
+          </p:blipFill>
+          <p:spPr>
+            <a:xfrm>
+              <a:off x="1065212" y="1943801"/>
+              <a:ext cx="1926886" cy="1228695"/>
+            </a:xfrm>
+            <a:prstGeom prst="rect">
+              <a:avLst/>
+            </a:prstGeom>
+          </p:spPr>
+        </p:pic>
+        <p:pic>
+          <p:nvPicPr>
+            <p:cNvPr id="12" name="Picture 2">
+              <a:extLst>
+                <a:ext uri="{FF2B5EF4-FFF2-40B4-BE49-F238E27FC236}">
+                  <a16:creationId xmlns:a16="http://schemas.microsoft.com/office/drawing/2014/main" id="{339024C5-4A59-46ED-9164-F45AC9D8F8FD}"/>
+                </a:ext>
+              </a:extLst>
+            </p:cNvPr>
+            <p:cNvPicPr>
+              <a:picLocks noChangeAspect="1" noChangeArrowheads="1"/>
+            </p:cNvPicPr>
+            <p:nvPr/>
+          </p:nvPicPr>
+          <p:blipFill>
+            <a:blip r:embed="rId7">
+              <a:extLst>
+                <a:ext uri="{28A0092B-C50C-407E-A947-70E740481C1C}">
+                  <a14:useLocalDpi xmlns:a14="http://schemas.microsoft.com/office/drawing/2010/main"/>
+                </a:ext>
+              </a:extLst>
+            </a:blip>
+            <a:srcRect/>
+            <a:stretch>
+              <a:fillRect/>
+            </a:stretch>
+          </p:blipFill>
+          <p:spPr bwMode="auto">
+            <a:xfrm rot="419636">
+              <a:off x="2457939" y="2458125"/>
+              <a:ext cx="934705" cy="934705"/>
+            </a:xfrm>
+            <a:prstGeom prst="rect">
+              <a:avLst/>
+            </a:prstGeom>
+            <a:noFill/>
+            <a:extLst>
+              <a:ext uri="{909E8E84-426E-40DD-AFC4-6F175D3DCCD1}">
+                <a14:hiddenFill xmlns:a14="http://schemas.microsoft.com/office/drawing/2010/main">
+                  <a:solidFill>
+                    <a:srgbClr val="FFFFFF"/>
+                  </a:solidFill>
+                </a14:hiddenFill>
+              </a:ext>
+            </a:extLst>
+          </p:spPr>
+        </p:pic>
+      </p:grpSp>
     </p:spTree>
     <p:extLst>
       <p:ext uri="{BB962C8B-B14F-4D97-AF65-F5344CB8AC3E}">
